--- a/bilder/bilder.pptx
+++ b/bilder/bilder.pptx
@@ -106,15 +106,89 @@
       </a:defRPr>
     </a:lvl9pPr>
   </p:defaultTextStyle>
+  <p:extLst>
+    <p:ext uri="{EFAFB233-063F-42B5-8137-9DF3F51BA10A}">
+      <p15:sldGuideLst xmlns:p15="http://schemas.microsoft.com/office/powerpoint/2012/main"/>
+    </p:ext>
+  </p:extLst>
 </p:presentation>
 </file>
 
 <file path=ppt/revisionInfo.xml><?xml version="1.0" encoding="utf-8"?>
 <p1510:revInfo xmlns:a="http://schemas.openxmlformats.org/drawingml/2006/main" xmlns:r="http://schemas.openxmlformats.org/officeDocument/2006/relationships" xmlns:p1510="http://schemas.microsoft.com/office/powerpoint/2015/10/main">
   <p1510:revLst>
-    <p1510:client id="{66F8A159-36D8-4AAD-BBE3-E1CCABC7A66E}" v="14" dt="2024-12-22T08:10:47.218"/>
+    <p1510:client id="{C7BEE150-A58D-4BA6-8E8C-030586E3CC8B}" v="1" dt="2025-03-07T10:38:41.284"/>
   </p1510:revLst>
 </p1510:revInfo>
+</file>
+
+<file path=ppt/changesInfos/changesInfo1.xml><?xml version="1.0" encoding="utf-8"?>
+<pc:chgInfo xmlns:a="http://schemas.openxmlformats.org/drawingml/2006/main" xmlns:r="http://schemas.openxmlformats.org/officeDocument/2006/relationships" xmlns:ac="http://schemas.microsoft.com/office/drawing/2013/main/command" xmlns:pc="http://schemas.microsoft.com/office/powerpoint/2013/main/command">
+  <pc:docChgLst>
+    <pc:chgData name="William Lind (RF-SISU Uppland)" userId="cad96a6e-be0d-4992-89ff-95d230bcc806" providerId="ADAL" clId="{C7BEE150-A58D-4BA6-8E8C-030586E3CC8B}"/>
+    <pc:docChg chg="modSld">
+      <pc:chgData name="William Lind (RF-SISU Uppland)" userId="cad96a6e-be0d-4992-89ff-95d230bcc806" providerId="ADAL" clId="{C7BEE150-A58D-4BA6-8E8C-030586E3CC8B}" dt="2025-03-07T10:38:41.283" v="8" actId="14826"/>
+      <pc:docMkLst>
+        <pc:docMk/>
+      </pc:docMkLst>
+      <pc:sldChg chg="modSp mod">
+        <pc:chgData name="William Lind (RF-SISU Uppland)" userId="cad96a6e-be0d-4992-89ff-95d230bcc806" providerId="ADAL" clId="{C7BEE150-A58D-4BA6-8E8C-030586E3CC8B}" dt="2025-03-07T10:38:41.283" v="8" actId="14826"/>
+        <pc:sldMkLst>
+          <pc:docMk/>
+          <pc:sldMk cId="646260823" sldId="260"/>
+        </pc:sldMkLst>
+        <pc:spChg chg="mod">
+          <ac:chgData name="William Lind (RF-SISU Uppland)" userId="cad96a6e-be0d-4992-89ff-95d230bcc806" providerId="ADAL" clId="{C7BEE150-A58D-4BA6-8E8C-030586E3CC8B}" dt="2025-03-07T10:38:41.283" v="8" actId="14826"/>
+          <ac:spMkLst>
+            <pc:docMk/>
+            <pc:sldMk cId="646260823" sldId="260"/>
+            <ac:spMk id="6" creationId="{8706F73F-A6CD-A812-C37B-2F09FB79960B}"/>
+          </ac:spMkLst>
+        </pc:spChg>
+        <pc:spChg chg="mod">
+          <ac:chgData name="William Lind (RF-SISU Uppland)" userId="cad96a6e-be0d-4992-89ff-95d230bcc806" providerId="ADAL" clId="{C7BEE150-A58D-4BA6-8E8C-030586E3CC8B}" dt="2025-03-07T10:38:41.283" v="8" actId="14826"/>
+          <ac:spMkLst>
+            <pc:docMk/>
+            <pc:sldMk cId="646260823" sldId="260"/>
+            <ac:spMk id="11" creationId="{F457FC2A-F1E8-E662-7084-9495C5F0F54D}"/>
+          </ac:spMkLst>
+        </pc:spChg>
+        <pc:grpChg chg="mod">
+          <ac:chgData name="William Lind (RF-SISU Uppland)" userId="cad96a6e-be0d-4992-89ff-95d230bcc806" providerId="ADAL" clId="{C7BEE150-A58D-4BA6-8E8C-030586E3CC8B}" dt="2025-03-07T10:38:41.283" v="8" actId="14826"/>
+          <ac:grpSpMkLst>
+            <pc:docMk/>
+            <pc:sldMk cId="646260823" sldId="260"/>
+            <ac:grpSpMk id="9" creationId="{2DEF8B09-86DC-431A-3FCC-E4FA36ACBC60}"/>
+          </ac:grpSpMkLst>
+        </pc:grpChg>
+        <pc:grpChg chg="mod">
+          <ac:chgData name="William Lind (RF-SISU Uppland)" userId="cad96a6e-be0d-4992-89ff-95d230bcc806" providerId="ADAL" clId="{C7BEE150-A58D-4BA6-8E8C-030586E3CC8B}" dt="2025-03-07T10:38:41.283" v="8" actId="14826"/>
+          <ac:grpSpMkLst>
+            <pc:docMk/>
+            <pc:sldMk cId="646260823" sldId="260"/>
+            <ac:grpSpMk id="12" creationId="{CDDFA732-AB0B-4A6A-9EFE-59915C570F72}"/>
+          </ac:grpSpMkLst>
+        </pc:grpChg>
+        <pc:picChg chg="mod">
+          <ac:chgData name="William Lind (RF-SISU Uppland)" userId="cad96a6e-be0d-4992-89ff-95d230bcc806" providerId="ADAL" clId="{C7BEE150-A58D-4BA6-8E8C-030586E3CC8B}" dt="2025-03-07T10:38:41.283" v="8" actId="14826"/>
+          <ac:picMkLst>
+            <pc:docMk/>
+            <pc:sldMk cId="646260823" sldId="260"/>
+            <ac:picMk id="5" creationId="{59DAA75E-D2AE-6F04-2593-512647A04FD7}"/>
+          </ac:picMkLst>
+        </pc:picChg>
+        <pc:picChg chg="mod">
+          <ac:chgData name="William Lind (RF-SISU Uppland)" userId="cad96a6e-be0d-4992-89ff-95d230bcc806" providerId="ADAL" clId="{C7BEE150-A58D-4BA6-8E8C-030586E3CC8B}" dt="2025-03-07T10:38:41.283" v="8" actId="14826"/>
+          <ac:picMkLst>
+            <pc:docMk/>
+            <pc:sldMk cId="646260823" sldId="260"/>
+            <ac:picMk id="8" creationId="{A26F99AC-280C-AF91-0930-83FD18338B03}"/>
+          </ac:picMkLst>
+        </pc:picChg>
+      </pc:sldChg>
+    </pc:docChg>
+  </pc:docChgLst>
+</pc:chgInfo>
 </file>
 
 <file path=ppt/slideLayouts/slideLayout1.xml><?xml version="1.0" encoding="utf-8"?>
@@ -264,7 +338,7 @@
           <a:p>
             <a:fld id="{7C344D97-0508-47AA-801A-905D7114858D}" type="datetimeFigureOut">
               <a:rPr lang="sv-SE" smtClean="0"/>
-              <a:t>2024-12-22</a:t>
+              <a:t>2025-03-07</a:t>
             </a:fld>
             <a:endParaRPr lang="sv-SE"/>
           </a:p>
@@ -462,7 +536,7 @@
           <a:p>
             <a:fld id="{7C344D97-0508-47AA-801A-905D7114858D}" type="datetimeFigureOut">
               <a:rPr lang="sv-SE" smtClean="0"/>
-              <a:t>2024-12-22</a:t>
+              <a:t>2025-03-07</a:t>
             </a:fld>
             <a:endParaRPr lang="sv-SE"/>
           </a:p>
@@ -670,7 +744,7 @@
           <a:p>
             <a:fld id="{7C344D97-0508-47AA-801A-905D7114858D}" type="datetimeFigureOut">
               <a:rPr lang="sv-SE" smtClean="0"/>
-              <a:t>2024-12-22</a:t>
+              <a:t>2025-03-07</a:t>
             </a:fld>
             <a:endParaRPr lang="sv-SE"/>
           </a:p>
@@ -868,7 +942,7 @@
           <a:p>
             <a:fld id="{7C344D97-0508-47AA-801A-905D7114858D}" type="datetimeFigureOut">
               <a:rPr lang="sv-SE" smtClean="0"/>
-              <a:t>2024-12-22</a:t>
+              <a:t>2025-03-07</a:t>
             </a:fld>
             <a:endParaRPr lang="sv-SE"/>
           </a:p>
@@ -1143,7 +1217,7 @@
           <a:p>
             <a:fld id="{7C344D97-0508-47AA-801A-905D7114858D}" type="datetimeFigureOut">
               <a:rPr lang="sv-SE" smtClean="0"/>
-              <a:t>2024-12-22</a:t>
+              <a:t>2025-03-07</a:t>
             </a:fld>
             <a:endParaRPr lang="sv-SE"/>
           </a:p>
@@ -1408,7 +1482,7 @@
           <a:p>
             <a:fld id="{7C344D97-0508-47AA-801A-905D7114858D}" type="datetimeFigureOut">
               <a:rPr lang="sv-SE" smtClean="0"/>
-              <a:t>2024-12-22</a:t>
+              <a:t>2025-03-07</a:t>
             </a:fld>
             <a:endParaRPr lang="sv-SE"/>
           </a:p>
@@ -1820,7 +1894,7 @@
           <a:p>
             <a:fld id="{7C344D97-0508-47AA-801A-905D7114858D}" type="datetimeFigureOut">
               <a:rPr lang="sv-SE" smtClean="0"/>
-              <a:t>2024-12-22</a:t>
+              <a:t>2025-03-07</a:t>
             </a:fld>
             <a:endParaRPr lang="sv-SE"/>
           </a:p>
@@ -1961,7 +2035,7 @@
           <a:p>
             <a:fld id="{7C344D97-0508-47AA-801A-905D7114858D}" type="datetimeFigureOut">
               <a:rPr lang="sv-SE" smtClean="0"/>
-              <a:t>2024-12-22</a:t>
+              <a:t>2025-03-07</a:t>
             </a:fld>
             <a:endParaRPr lang="sv-SE"/>
           </a:p>
@@ -2074,7 +2148,7 @@
           <a:p>
             <a:fld id="{7C344D97-0508-47AA-801A-905D7114858D}" type="datetimeFigureOut">
               <a:rPr lang="sv-SE" smtClean="0"/>
-              <a:t>2024-12-22</a:t>
+              <a:t>2025-03-07</a:t>
             </a:fld>
             <a:endParaRPr lang="sv-SE"/>
           </a:p>
@@ -2385,7 +2459,7 @@
           <a:p>
             <a:fld id="{7C344D97-0508-47AA-801A-905D7114858D}" type="datetimeFigureOut">
               <a:rPr lang="sv-SE" smtClean="0"/>
-              <a:t>2024-12-22</a:t>
+              <a:t>2025-03-07</a:t>
             </a:fld>
             <a:endParaRPr lang="sv-SE"/>
           </a:p>
@@ -2673,7 +2747,7 @@
           <a:p>
             <a:fld id="{7C344D97-0508-47AA-801A-905D7114858D}" type="datetimeFigureOut">
               <a:rPr lang="sv-SE" smtClean="0"/>
-              <a:t>2024-12-22</a:t>
+              <a:t>2025-03-07</a:t>
             </a:fld>
             <a:endParaRPr lang="sv-SE"/>
           </a:p>
@@ -2914,7 +2988,7 @@
           <a:p>
             <a:fld id="{7C344D97-0508-47AA-801A-905D7114858D}" type="datetimeFigureOut">
               <a:rPr lang="sv-SE" smtClean="0"/>
-              <a:t>2024-12-22</a:t>
+              <a:t>2025-03-07</a:t>
             </a:fld>
             <a:endParaRPr lang="sv-SE"/>
           </a:p>
@@ -3985,7 +4059,7 @@
           </p:sp>
           <p:pic>
             <p:nvPicPr>
-              <p:cNvPr id="8" name="Bild 7" descr="Studentmössa med hel fyllning">
+              <p:cNvPr id="8" name="Bild 7" descr="Hjärta med puls med hel fyllning">
                 <a:extLst>
                   <a:ext uri="{FF2B5EF4-FFF2-40B4-BE49-F238E27FC236}">
                     <a16:creationId xmlns:a16="http://schemas.microsoft.com/office/drawing/2014/main" id="{A26F99AC-280C-AF91-0930-83FD18338B03}"/>
@@ -4062,7 +4136,7 @@
                     </a:outerShdw>
                   </a:effectLst>
                 </a:rPr>
-                <a:t>UTBILDNING</a:t>
+                <a:t>LIVSSTIL</a:t>
               </a:r>
             </a:p>
           </p:txBody>
